--- a/clases/Cap02_Geometria/presentaciones/CV02_Transformation3D2D.pptx
+++ b/clases/Cap02_Geometria/presentaciones/CV02_Transformation3D2D.pptx
@@ -10367,7 +10367,7 @@
 </file>
 
 <file path=ppt/slides/slide10.xml><?xml version="1.0" encoding="utf-8"?>
-<p:sld xmlns:a="http://schemas.openxmlformats.org/drawingml/2006/main" xmlns:r="http://schemas.openxmlformats.org/officeDocument/2006/relationships" xmlns:p="http://schemas.openxmlformats.org/presentationml/2006/main">
+<p:sld xmlns:a="http://schemas.openxmlformats.org/drawingml/2006/main" xmlns:r="http://schemas.openxmlformats.org/officeDocument/2006/relationships" xmlns:p="http://schemas.openxmlformats.org/presentationml/2006/main" show="0">
   <p:cSld>
     <p:spTree>
       <p:nvGrpSpPr>
@@ -13442,7 +13442,7 @@
           <a:graphicData uri="http://schemas.openxmlformats.org/presentationml/2006/ole">
             <mc:AlternateContent xmlns:mc="http://schemas.openxmlformats.org/markup-compatibility/2006">
               <mc:Choice xmlns:v="urn:schemas-microsoft-com:vml" Requires="v">
-                <p:oleObj spid="_x0000_s1031" name="Fotografía de Photo Editor" r:id="rId4" imgW="3715269" imgH="2419048" progId="">
+                <p:oleObj spid="_x0000_s1032" name="Fotografía de Photo Editor" r:id="rId4" imgW="3715269" imgH="2419048" progId="">
                   <p:embed/>
                 </p:oleObj>
               </mc:Choice>
@@ -13485,14 +13485,14 @@
                       <a:effectLst/>
                       <a:extLst>
                         <a:ext uri="{909E8E84-426E-40dd-AFC4-6F175D3DCCD1}">
-                          <a14:hiddenFill xmlns:a14="http://schemas.microsoft.com/office/drawing/2010/main" xmlns="">
+                          <a14:hiddenFill xmlns="" xmlns:a14="http://schemas.microsoft.com/office/drawing/2010/main">
                             <a:solidFill>
                               <a:schemeClr val="accent1"/>
                             </a:solidFill>
                           </a14:hiddenFill>
                         </a:ext>
                         <a:ext uri="{91240B29-F687-4f45-9708-019B960494DF}">
-                          <a14:hiddenLine xmlns:a14="http://schemas.microsoft.com/office/drawing/2010/main" xmlns="" w="9525">
+                          <a14:hiddenLine xmlns="" xmlns:a14="http://schemas.microsoft.com/office/drawing/2010/main" w="9525">
                             <a:solidFill>
                               <a:schemeClr val="tx1"/>
                             </a:solidFill>
@@ -13502,7 +13502,7 @@
                           </a14:hiddenLine>
                         </a:ext>
                         <a:ext uri="{AF507438-7753-43e0-B8FC-AC1667EBCBE1}">
-                          <a14:hiddenEffects xmlns:a14="http://schemas.microsoft.com/office/drawing/2010/main" xmlns="">
+                          <a14:hiddenEffects xmlns="" xmlns:a14="http://schemas.microsoft.com/office/drawing/2010/main">
                             <a:effectLst>
                               <a:outerShdw blurRad="63500" dist="38099" dir="2700000" algn="ctr" rotWithShape="0">
                                 <a:schemeClr val="bg2">
@@ -13621,171 +13621,6 @@
   <p:clrMapOvr>
     <a:masterClrMapping/>
   </p:clrMapOvr>
-  <p:timing>
-    <p:tnLst>
-      <p:par>
-        <p:cTn id="1" dur="indefinite" restart="never" nodeType="tmRoot">
-          <p:childTnLst>
-            <p:seq concurrent="1" nextAc="seek">
-              <p:cTn id="2" dur="indefinite" nodeType="mainSeq">
-                <p:childTnLst>
-                  <p:par>
-                    <p:cTn id="3" fill="hold">
-                      <p:stCondLst>
-                        <p:cond delay="indefinite"/>
-                      </p:stCondLst>
-                      <p:childTnLst>
-                        <p:par>
-                          <p:cTn id="4" fill="hold">
-                            <p:stCondLst>
-                              <p:cond delay="0"/>
-                            </p:stCondLst>
-                            <p:childTnLst>
-                              <p:par>
-                                <p:cTn id="5" presetID="1" presetClass="entr" presetSubtype="0" fill="hold" nodeType="clickEffect">
-                                  <p:stCondLst>
-                                    <p:cond delay="0"/>
-                                  </p:stCondLst>
-                                  <p:childTnLst>
-                                    <p:set>
-                                      <p:cBhvr>
-                                        <p:cTn id="6" dur="1" fill="hold">
-                                          <p:stCondLst>
-                                            <p:cond delay="499"/>
-                                          </p:stCondLst>
-                                        </p:cTn>
-                                        <p:tgtEl>
-                                          <p:spTgt spid="1187858"/>
-                                        </p:tgtEl>
-                                        <p:attrNameLst>
-                                          <p:attrName>style.visibility</p:attrName>
-                                        </p:attrNameLst>
-                                      </p:cBhvr>
-                                      <p:to>
-                                        <p:strVal val="visible"/>
-                                      </p:to>
-                                    </p:set>
-                                  </p:childTnLst>
-                                </p:cTn>
-                              </p:par>
-                            </p:childTnLst>
-                          </p:cTn>
-                        </p:par>
-                      </p:childTnLst>
-                    </p:cTn>
-                  </p:par>
-                  <p:par>
-                    <p:cTn id="7" fill="hold">
-                      <p:stCondLst>
-                        <p:cond delay="indefinite"/>
-                      </p:stCondLst>
-                      <p:childTnLst>
-                        <p:par>
-                          <p:cTn id="8" fill="hold">
-                            <p:stCondLst>
-                              <p:cond delay="0"/>
-                            </p:stCondLst>
-                            <p:childTnLst>
-                              <p:par>
-                                <p:cTn id="9" presetID="1" presetClass="entr" presetSubtype="0" fill="hold" nodeType="clickEffect">
-                                  <p:stCondLst>
-                                    <p:cond delay="0"/>
-                                  </p:stCondLst>
-                                  <p:childTnLst>
-                                    <p:set>
-                                      <p:cBhvr>
-                                        <p:cTn id="10" dur="1" fill="hold">
-                                          <p:stCondLst>
-                                            <p:cond delay="499"/>
-                                          </p:stCondLst>
-                                        </p:cTn>
-                                        <p:tgtEl>
-                                          <p:spTgt spid="1187873"/>
-                                        </p:tgtEl>
-                                        <p:attrNameLst>
-                                          <p:attrName>style.visibility</p:attrName>
-                                        </p:attrNameLst>
-                                      </p:cBhvr>
-                                      <p:to>
-                                        <p:strVal val="visible"/>
-                                      </p:to>
-                                    </p:set>
-                                  </p:childTnLst>
-                                </p:cTn>
-                              </p:par>
-                            </p:childTnLst>
-                          </p:cTn>
-                        </p:par>
-                      </p:childTnLst>
-                    </p:cTn>
-                  </p:par>
-                  <p:par>
-                    <p:cTn id="11" fill="hold">
-                      <p:stCondLst>
-                        <p:cond delay="indefinite"/>
-                      </p:stCondLst>
-                      <p:childTnLst>
-                        <p:par>
-                          <p:cTn id="12" fill="hold">
-                            <p:stCondLst>
-                              <p:cond delay="0"/>
-                            </p:stCondLst>
-                            <p:childTnLst>
-                              <p:par>
-                                <p:cTn id="13" presetID="1" presetClass="entr" presetSubtype="0" fill="hold" nodeType="clickEffect">
-                                  <p:stCondLst>
-                                    <p:cond delay="0"/>
-                                  </p:stCondLst>
-                                  <p:childTnLst>
-                                    <p:set>
-                                      <p:cBhvr>
-                                        <p:cTn id="14" dur="1" fill="hold">
-                                          <p:stCondLst>
-                                            <p:cond delay="499"/>
-                                          </p:stCondLst>
-                                        </p:cTn>
-                                        <p:tgtEl>
-                                          <p:spTgt spid="1187888"/>
-                                        </p:tgtEl>
-                                        <p:attrNameLst>
-                                          <p:attrName>style.visibility</p:attrName>
-                                        </p:attrNameLst>
-                                      </p:cBhvr>
-                                      <p:to>
-                                        <p:strVal val="visible"/>
-                                      </p:to>
-                                    </p:set>
-                                  </p:childTnLst>
-                                </p:cTn>
-                              </p:par>
-                            </p:childTnLst>
-                          </p:cTn>
-                        </p:par>
-                      </p:childTnLst>
-                    </p:cTn>
-                  </p:par>
-                </p:childTnLst>
-              </p:cTn>
-              <p:prevCondLst>
-                <p:cond evt="onPrev" delay="0">
-                  <p:tgtEl>
-                    <p:sldTgt/>
-                  </p:tgtEl>
-                </p:cond>
-              </p:prevCondLst>
-              <p:nextCondLst>
-                <p:cond evt="onNext" delay="0">
-                  <p:tgtEl>
-                    <p:sldTgt/>
-                  </p:tgtEl>
-                </p:cond>
-              </p:nextCondLst>
-            </p:seq>
-          </p:childTnLst>
-        </p:cTn>
-      </p:par>
-    </p:tnLst>
-  </p:timing>
 </p:sld>
 </file>
 
@@ -13887,7 +13722,7 @@
           <a:graphicData uri="http://schemas.openxmlformats.org/presentationml/2006/ole">
             <mc:AlternateContent xmlns:mc="http://schemas.openxmlformats.org/markup-compatibility/2006">
               <mc:Choice xmlns:v="urn:schemas-microsoft-com:vml" Requires="v">
-                <p:oleObj spid="_x0000_s113676" name="Fotografía de Photo Editor" r:id="rId4" imgW="4772691" imgH="695238" progId="">
+                <p:oleObj spid="_x0000_s113678" name="Fotografía de Photo Editor" r:id="rId4" imgW="4772691" imgH="695238" progId="">
                   <p:embed/>
                 </p:oleObj>
               </mc:Choice>
@@ -13930,14 +13765,14 @@
                       <a:effectLst/>
                       <a:extLst>
                         <a:ext uri="{909E8E84-426E-40dd-AFC4-6F175D3DCCD1}">
-                          <a14:hiddenFill xmlns:a14="http://schemas.microsoft.com/office/drawing/2010/main" xmlns="">
+                          <a14:hiddenFill xmlns="" xmlns:a14="http://schemas.microsoft.com/office/drawing/2010/main">
                             <a:solidFill>
                               <a:schemeClr val="accent1"/>
                             </a:solidFill>
                           </a14:hiddenFill>
                         </a:ext>
                         <a:ext uri="{91240B29-F687-4f45-9708-019B960494DF}">
-                          <a14:hiddenLine xmlns:a14="http://schemas.microsoft.com/office/drawing/2010/main" xmlns="" w="9525">
+                          <a14:hiddenLine xmlns="" xmlns:a14="http://schemas.microsoft.com/office/drawing/2010/main" w="9525">
                             <a:solidFill>
                               <a:schemeClr val="tx1"/>
                             </a:solidFill>
@@ -13947,7 +13782,7 @@
                           </a14:hiddenLine>
                         </a:ext>
                         <a:ext uri="{AF507438-7753-43e0-B8FC-AC1667EBCBE1}">
-                          <a14:hiddenEffects xmlns:a14="http://schemas.microsoft.com/office/drawing/2010/main" xmlns="">
+                          <a14:hiddenEffects xmlns="" xmlns:a14="http://schemas.microsoft.com/office/drawing/2010/main">
                             <a:effectLst>
                               <a:outerShdw blurRad="63500" dist="38099" dir="2700000" algn="ctr" rotWithShape="0">
                                 <a:schemeClr val="bg2">
@@ -13982,7 +13817,7 @@
           <a:graphicData uri="http://schemas.openxmlformats.org/presentationml/2006/ole">
             <mc:AlternateContent xmlns:mc="http://schemas.openxmlformats.org/markup-compatibility/2006">
               <mc:Choice xmlns:v="urn:schemas-microsoft-com:vml" Requires="v">
-                <p:oleObj spid="_x0000_s113677" name="Fotografía de Photo Editor" r:id="rId6" imgW="4038095" imgH="1943371" progId="">
+                <p:oleObj spid="_x0000_s113679" name="Fotografía de Photo Editor" r:id="rId6" imgW="4038095" imgH="1943371" progId="">
                   <p:embed/>
                 </p:oleObj>
               </mc:Choice>
@@ -14025,14 +13860,14 @@
                       <a:effectLst/>
                       <a:extLst>
                         <a:ext uri="{909E8E84-426E-40dd-AFC4-6F175D3DCCD1}">
-                          <a14:hiddenFill xmlns:a14="http://schemas.microsoft.com/office/drawing/2010/main" xmlns="">
+                          <a14:hiddenFill xmlns="" xmlns:a14="http://schemas.microsoft.com/office/drawing/2010/main">
                             <a:solidFill>
                               <a:schemeClr val="accent1"/>
                             </a:solidFill>
                           </a14:hiddenFill>
                         </a:ext>
                         <a:ext uri="{91240B29-F687-4f45-9708-019B960494DF}">
-                          <a14:hiddenLine xmlns:a14="http://schemas.microsoft.com/office/drawing/2010/main" xmlns="" w="9525">
+                          <a14:hiddenLine xmlns="" xmlns:a14="http://schemas.microsoft.com/office/drawing/2010/main" w="9525">
                             <a:solidFill>
                               <a:schemeClr val="tx1"/>
                             </a:solidFill>
@@ -14042,7 +13877,7 @@
                           </a14:hiddenLine>
                         </a:ext>
                         <a:ext uri="{AF507438-7753-43e0-B8FC-AC1667EBCBE1}">
-                          <a14:hiddenEffects xmlns:a14="http://schemas.microsoft.com/office/drawing/2010/main" xmlns="">
+                          <a14:hiddenEffects xmlns="" xmlns:a14="http://schemas.microsoft.com/office/drawing/2010/main">
                             <a:effectLst>
                               <a:outerShdw blurRad="63500" dist="38099" dir="2700000" algn="ctr" rotWithShape="0">
                                 <a:schemeClr val="bg2">
@@ -14071,81 +13906,6 @@
   <p:clrMapOvr>
     <a:masterClrMapping/>
   </p:clrMapOvr>
-  <p:timing>
-    <p:tnLst>
-      <p:par>
-        <p:cTn id="1" dur="indefinite" restart="never" nodeType="tmRoot">
-          <p:childTnLst>
-            <p:seq concurrent="1" nextAc="seek">
-              <p:cTn id="2" dur="indefinite" nodeType="mainSeq">
-                <p:childTnLst>
-                  <p:par>
-                    <p:cTn id="3" fill="hold">
-                      <p:stCondLst>
-                        <p:cond delay="indefinite"/>
-                      </p:stCondLst>
-                      <p:childTnLst>
-                        <p:par>
-                          <p:cTn id="4" fill="hold">
-                            <p:stCondLst>
-                              <p:cond delay="0"/>
-                            </p:stCondLst>
-                            <p:childTnLst>
-                              <p:par>
-                                <p:cTn id="5" presetID="1" presetClass="entr" presetSubtype="0" fill="hold" nodeType="clickEffect">
-                                  <p:stCondLst>
-                                    <p:cond delay="0"/>
-                                  </p:stCondLst>
-                                  <p:childTnLst>
-                                    <p:set>
-                                      <p:cBhvr>
-                                        <p:cTn id="6" dur="1" fill="hold">
-                                          <p:stCondLst>
-                                            <p:cond delay="499"/>
-                                          </p:stCondLst>
-                                        </p:cTn>
-                                        <p:tgtEl>
-                                          <p:spTgt spid="1189938"/>
-                                        </p:tgtEl>
-                                        <p:attrNameLst>
-                                          <p:attrName>style.visibility</p:attrName>
-                                        </p:attrNameLst>
-                                      </p:cBhvr>
-                                      <p:to>
-                                        <p:strVal val="visible"/>
-                                      </p:to>
-                                    </p:set>
-                                  </p:childTnLst>
-                                </p:cTn>
-                              </p:par>
-                            </p:childTnLst>
-                          </p:cTn>
-                        </p:par>
-                      </p:childTnLst>
-                    </p:cTn>
-                  </p:par>
-                </p:childTnLst>
-              </p:cTn>
-              <p:prevCondLst>
-                <p:cond evt="onPrev" delay="0">
-                  <p:tgtEl>
-                    <p:sldTgt/>
-                  </p:tgtEl>
-                </p:cond>
-              </p:prevCondLst>
-              <p:nextCondLst>
-                <p:cond evt="onNext" delay="0">
-                  <p:tgtEl>
-                    <p:sldTgt/>
-                  </p:tgtEl>
-                </p:cond>
-              </p:nextCondLst>
-            </p:seq>
-          </p:childTnLst>
-        </p:cTn>
-      </p:par>
-    </p:tnLst>
-  </p:timing>
 </p:sld>
 </file>
 
@@ -14249,7 +14009,7 @@
           <a:graphicData uri="http://schemas.openxmlformats.org/presentationml/2006/ole">
             <mc:AlternateContent xmlns:mc="http://schemas.openxmlformats.org/markup-compatibility/2006">
               <mc:Choice xmlns:v="urn:schemas-microsoft-com:vml" Requires="v">
-                <p:oleObj spid="_x0000_s114695" name="Fotografía de Photo Editor" r:id="rId4" imgW="2219635" imgH="1028844" progId="">
+                <p:oleObj spid="_x0000_s114696" name="Fotografía de Photo Editor" r:id="rId4" imgW="2219635" imgH="1028844" progId="">
                   <p:embed/>
                 </p:oleObj>
               </mc:Choice>
@@ -14292,14 +14052,14 @@
                       <a:effectLst/>
                       <a:extLst>
                         <a:ext uri="{909E8E84-426E-40dd-AFC4-6F175D3DCCD1}">
-                          <a14:hiddenFill xmlns:a14="http://schemas.microsoft.com/office/drawing/2010/main" xmlns="">
+                          <a14:hiddenFill xmlns="" xmlns:a14="http://schemas.microsoft.com/office/drawing/2010/main">
                             <a:solidFill>
                               <a:schemeClr val="accent1"/>
                             </a:solidFill>
                           </a14:hiddenFill>
                         </a:ext>
                         <a:ext uri="{91240B29-F687-4f45-9708-019B960494DF}">
-                          <a14:hiddenLine xmlns:a14="http://schemas.microsoft.com/office/drawing/2010/main" xmlns="" w="9525">
+                          <a14:hiddenLine xmlns="" xmlns:a14="http://schemas.microsoft.com/office/drawing/2010/main" w="9525">
                             <a:solidFill>
                               <a:schemeClr val="tx1"/>
                             </a:solidFill>
@@ -14309,7 +14069,7 @@
                           </a14:hiddenLine>
                         </a:ext>
                         <a:ext uri="{AF507438-7753-43e0-B8FC-AC1667EBCBE1}">
-                          <a14:hiddenEffects xmlns:a14="http://schemas.microsoft.com/office/drawing/2010/main" xmlns="">
+                          <a14:hiddenEffects xmlns="" xmlns:a14="http://schemas.microsoft.com/office/drawing/2010/main">
                             <a:effectLst>
                               <a:outerShdw blurRad="63500" dist="38099" dir="2700000" algn="ctr" rotWithShape="0">
                                 <a:schemeClr val="bg2">
@@ -14320,7 +14080,7 @@
                           </a14:hiddenEffects>
                         </a:ext>
                         <a:ext uri="{FAA26D3D-D897-4be2-8F04-BA451C77F1D7}">
-                          <ma14:placeholderFlag xmlns:ma14="http://schemas.microsoft.com/office/mac/drawingml/2011/main" xmlns="" val="1"/>
+                          <ma14:placeholderFlag xmlns="" xmlns:ma14="http://schemas.microsoft.com/office/mac/drawingml/2011/main" val="1"/>
                         </a:ext>
                       </a:extLst>
                     </p:spPr>
@@ -14465,7 +14225,7 @@
           <a:graphicData uri="http://schemas.openxmlformats.org/presentationml/2006/ole">
             <mc:AlternateContent xmlns:mc="http://schemas.openxmlformats.org/markup-compatibility/2006">
               <mc:Choice xmlns:v="urn:schemas-microsoft-com:vml" Requires="v">
-                <p:oleObj spid="_x0000_s9260" name="Fotografía de Photo Editor" r:id="rId4" imgW="2219635" imgH="1028844" progId="">
+                <p:oleObj spid="_x0000_s9264" name="Fotografía de Photo Editor" r:id="rId4" imgW="2219635" imgH="1028844" progId="">
                   <p:embed/>
                 </p:oleObj>
               </mc:Choice>
@@ -14508,14 +14268,14 @@
                       <a:effectLst/>
                       <a:extLst>
                         <a:ext uri="{909E8E84-426E-40dd-AFC4-6F175D3DCCD1}">
-                          <a14:hiddenFill xmlns:a14="http://schemas.microsoft.com/office/drawing/2010/main" xmlns="">
+                          <a14:hiddenFill xmlns="" xmlns:a14="http://schemas.microsoft.com/office/drawing/2010/main">
                             <a:solidFill>
                               <a:schemeClr val="accent1"/>
                             </a:solidFill>
                           </a14:hiddenFill>
                         </a:ext>
                         <a:ext uri="{91240B29-F687-4f45-9708-019B960494DF}">
-                          <a14:hiddenLine xmlns:a14="http://schemas.microsoft.com/office/drawing/2010/main" xmlns="" w="9525">
+                          <a14:hiddenLine xmlns="" xmlns:a14="http://schemas.microsoft.com/office/drawing/2010/main" w="9525">
                             <a:solidFill>
                               <a:schemeClr val="tx1"/>
                             </a:solidFill>
@@ -14525,7 +14285,7 @@
                           </a14:hiddenLine>
                         </a:ext>
                         <a:ext uri="{AF507438-7753-43e0-B8FC-AC1667EBCBE1}">
-                          <a14:hiddenEffects xmlns:a14="http://schemas.microsoft.com/office/drawing/2010/main" xmlns="">
+                          <a14:hiddenEffects xmlns="" xmlns:a14="http://schemas.microsoft.com/office/drawing/2010/main">
                             <a:effectLst>
                               <a:outerShdw blurRad="63500" dist="38099" dir="2700000" algn="ctr" rotWithShape="0">
                                 <a:schemeClr val="bg2">
@@ -14636,7 +14396,7 @@
           <a:graphicData uri="http://schemas.openxmlformats.org/presentationml/2006/ole">
             <mc:AlternateContent xmlns:mc="http://schemas.openxmlformats.org/markup-compatibility/2006">
               <mc:Choice xmlns:v="urn:schemas-microsoft-com:vml" Requires="v">
-                <p:oleObj spid="_x0000_s9261" name="Ecuación" r:id="rId6" imgW="660240" imgH="177480" progId="Equation.3">
+                <p:oleObj spid="_x0000_s9265" name="Ecuación" r:id="rId6" imgW="660240" imgH="177480" progId="Equation.3">
                   <p:embed/>
                 </p:oleObj>
               </mc:Choice>
@@ -14699,7 +14459,7 @@
           <a:graphicData uri="http://schemas.openxmlformats.org/presentationml/2006/ole">
             <mc:AlternateContent xmlns:mc="http://schemas.openxmlformats.org/markup-compatibility/2006">
               <mc:Choice xmlns:v="urn:schemas-microsoft-com:vml" Requires="v">
-                <p:oleObj spid="_x0000_s9262" name="EcuaciÛn" r:id="rId8" imgW="609600" imgH="127000" progId="Equation.3">
+                <p:oleObj spid="_x0000_s9266" name="EcuaciÛn" r:id="rId8" imgW="609600" imgH="127000" progId="Equation.3">
                   <p:embed/>
                 </p:oleObj>
               </mc:Choice>
@@ -14857,7 +14617,7 @@
             <a:graphicData uri="http://schemas.openxmlformats.org/presentationml/2006/ole">
               <mc:AlternateContent xmlns:mc="http://schemas.openxmlformats.org/markup-compatibility/2006">
                 <mc:Choice xmlns:v="urn:schemas-microsoft-com:vml" Requires="v">
-                  <p:oleObj spid="_x0000_s9263" name="EcuaciÛn" r:id="rId10" imgW="774700" imgH="139700" progId="Equation.3">
+                  <p:oleObj spid="_x0000_s9267" name="EcuaciÛn" r:id="rId10" imgW="774700" imgH="139700" progId="Equation.3">
                     <p:embed/>
                   </p:oleObj>
                 </mc:Choice>
@@ -17152,7 +16912,7 @@
           <a:graphicData uri="http://schemas.openxmlformats.org/presentationml/2006/ole">
             <mc:AlternateContent xmlns:mc="http://schemas.openxmlformats.org/markup-compatibility/2006">
               <mc:Choice xmlns:v="urn:schemas-microsoft-com:vml" Requires="v">
-                <p:oleObj spid="_x0000_s115720" name="EcuaciÛn" r:id="rId4" imgW="774700" imgH="139700" progId="Equation.3">
+                <p:oleObj spid="_x0000_s115721" name="EcuaciÛn" r:id="rId4" imgW="774700" imgH="139700" progId="Equation.3">
                   <p:embed/>
                 </p:oleObj>
               </mc:Choice>
@@ -32615,7 +32375,7 @@
           <a:graphicData uri="http://schemas.openxmlformats.org/presentationml/2006/ole">
             <mc:AlternateContent xmlns:mc="http://schemas.openxmlformats.org/markup-compatibility/2006">
               <mc:Choice xmlns:v="urn:schemas-microsoft-com:vml" Requires="v">
-                <p:oleObj spid="_x0000_s4130" name="Fotografía de Photo Editor" r:id="rId4" imgW="3696216" imgH="1628571" progId="">
+                <p:oleObj spid="_x0000_s4133" name="Fotografía de Photo Editor" r:id="rId4" imgW="3696216" imgH="1628571" progId="">
                   <p:embed/>
                 </p:oleObj>
               </mc:Choice>
@@ -32658,14 +32418,14 @@
                       <a:effectLst/>
                       <a:extLst>
                         <a:ext uri="{909E8E84-426E-40dd-AFC4-6F175D3DCCD1}">
-                          <a14:hiddenFill xmlns:a14="http://schemas.microsoft.com/office/drawing/2010/main" xmlns="">
+                          <a14:hiddenFill xmlns="" xmlns:a14="http://schemas.microsoft.com/office/drawing/2010/main">
                             <a:solidFill>
                               <a:schemeClr val="accent1"/>
                             </a:solidFill>
                           </a14:hiddenFill>
                         </a:ext>
                         <a:ext uri="{91240B29-F687-4f45-9708-019B960494DF}">
-                          <a14:hiddenLine xmlns:a14="http://schemas.microsoft.com/office/drawing/2010/main" xmlns="" w="9525">
+                          <a14:hiddenLine xmlns="" xmlns:a14="http://schemas.microsoft.com/office/drawing/2010/main" w="9525">
                             <a:solidFill>
                               <a:schemeClr val="tx1"/>
                             </a:solidFill>
@@ -32675,7 +32435,7 @@
                           </a14:hiddenLine>
                         </a:ext>
                         <a:ext uri="{AF507438-7753-43e0-B8FC-AC1667EBCBE1}">
-                          <a14:hiddenEffects xmlns:a14="http://schemas.microsoft.com/office/drawing/2010/main" xmlns="">
+                          <a14:hiddenEffects xmlns="" xmlns:a14="http://schemas.microsoft.com/office/drawing/2010/main">
                             <a:effectLst>
                               <a:outerShdw blurRad="63500" dist="38099" dir="2700000" algn="ctr" rotWithShape="0">
                                 <a:schemeClr val="bg2">
@@ -32710,7 +32470,7 @@
           <a:graphicData uri="http://schemas.openxmlformats.org/presentationml/2006/ole">
             <mc:AlternateContent xmlns:mc="http://schemas.openxmlformats.org/markup-compatibility/2006">
               <mc:Choice xmlns:v="urn:schemas-microsoft-com:vml" Requires="v">
-                <p:oleObj spid="_x0000_s4131" name="Fotografía de Photo Editor" r:id="rId6" imgW="3010320" imgH="1628571" progId="">
+                <p:oleObj spid="_x0000_s4134" name="Fotografía de Photo Editor" r:id="rId6" imgW="3010320" imgH="1628571" progId="">
                   <p:embed/>
                 </p:oleObj>
               </mc:Choice>
@@ -32753,14 +32513,14 @@
                       <a:effectLst/>
                       <a:extLst>
                         <a:ext uri="{909E8E84-426E-40dd-AFC4-6F175D3DCCD1}">
-                          <a14:hiddenFill xmlns:a14="http://schemas.microsoft.com/office/drawing/2010/main" xmlns="">
+                          <a14:hiddenFill xmlns="" xmlns:a14="http://schemas.microsoft.com/office/drawing/2010/main">
                             <a:solidFill>
                               <a:schemeClr val="accent1"/>
                             </a:solidFill>
                           </a14:hiddenFill>
                         </a:ext>
                         <a:ext uri="{91240B29-F687-4f45-9708-019B960494DF}">
-                          <a14:hiddenLine xmlns:a14="http://schemas.microsoft.com/office/drawing/2010/main" xmlns="" w="9525">
+                          <a14:hiddenLine xmlns="" xmlns:a14="http://schemas.microsoft.com/office/drawing/2010/main" w="9525">
                             <a:solidFill>
                               <a:schemeClr val="tx1"/>
                             </a:solidFill>
@@ -32770,7 +32530,7 @@
                           </a14:hiddenLine>
                         </a:ext>
                         <a:ext uri="{AF507438-7753-43e0-B8FC-AC1667EBCBE1}">
-                          <a14:hiddenEffects xmlns:a14="http://schemas.microsoft.com/office/drawing/2010/main" xmlns="">
+                          <a14:hiddenEffects xmlns="" xmlns:a14="http://schemas.microsoft.com/office/drawing/2010/main">
                             <a:effectLst>
                               <a:outerShdw blurRad="63500" dist="38099" dir="2700000" algn="ctr" rotWithShape="0">
                                 <a:schemeClr val="bg2">
@@ -34433,7 +34193,7 @@
             <a:graphicData uri="http://schemas.openxmlformats.org/presentationml/2006/ole">
               <mc:AlternateContent xmlns:mc="http://schemas.openxmlformats.org/markup-compatibility/2006">
                 <mc:Choice xmlns:v="urn:schemas-microsoft-com:vml" Requires="v">
-                  <p:oleObj spid="_x0000_s4132" name="Fotografía de Photo Editor" r:id="rId8" imgW="1971950" imgH="828791" progId="">
+                  <p:oleObj spid="_x0000_s4135" name="Fotografía de Photo Editor" r:id="rId8" imgW="1971950" imgH="828791" progId="">
                     <p:embed/>
                   </p:oleObj>
                 </mc:Choice>
@@ -34476,14 +34236,14 @@
                         <a:effectLst/>
                         <a:extLst>
                           <a:ext uri="{909E8E84-426E-40dd-AFC4-6F175D3DCCD1}">
-                            <a14:hiddenFill xmlns:a14="http://schemas.microsoft.com/office/drawing/2010/main" xmlns="">
+                            <a14:hiddenFill xmlns="" xmlns:a14="http://schemas.microsoft.com/office/drawing/2010/main">
                               <a:solidFill>
                                 <a:schemeClr val="accent1"/>
                               </a:solidFill>
                             </a14:hiddenFill>
                           </a:ext>
                           <a:ext uri="{91240B29-F687-4f45-9708-019B960494DF}">
-                            <a14:hiddenLine xmlns:a14="http://schemas.microsoft.com/office/drawing/2010/main" xmlns="" w="9525">
+                            <a14:hiddenLine xmlns="" xmlns:a14="http://schemas.microsoft.com/office/drawing/2010/main" w="9525">
                               <a:solidFill>
                                 <a:schemeClr val="tx1"/>
                               </a:solidFill>
@@ -34493,7 +34253,7 @@
                             </a14:hiddenLine>
                           </a:ext>
                           <a:ext uri="{AF507438-7753-43e0-B8FC-AC1667EBCBE1}">
-                            <a14:hiddenEffects xmlns:a14="http://schemas.microsoft.com/office/drawing/2010/main" xmlns="">
+                            <a14:hiddenEffects xmlns="" xmlns:a14="http://schemas.microsoft.com/office/drawing/2010/main">
                               <a:effectLst>
                                 <a:outerShdw blurRad="63500" dist="38099" dir="2700000" algn="ctr" rotWithShape="0">
                                   <a:schemeClr val="bg2">
@@ -35607,7 +35367,7 @@
             <a:avLst/>
           </a:prstGeom>
           <a:solidFill>
-            <a:srgbClr val="EC973F"/>
+            <a:srgbClr val="F6AC53"/>
           </a:solidFill>
         </p:spPr>
         <p:txBody>
@@ -38020,7 +37780,7 @@
               <a:graphicData uri="http://schemas.openxmlformats.org/presentationml/2006/ole">
                 <mc:AlternateContent xmlns:mc="http://schemas.openxmlformats.org/markup-compatibility/2006">
                   <mc:Choice xmlns:v="urn:schemas-microsoft-com:vml" Requires="v">
-                    <p:oleObj spid="_x0000_s5144" name="Fotografía de Photo Editor" r:id="rId4" imgW="1971950" imgH="828791" progId="">
+                    <p:oleObj spid="_x0000_s5146" name="Fotografía de Photo Editor" r:id="rId4" imgW="1971950" imgH="828791" progId="">
                       <p:embed/>
                     </p:oleObj>
                   </mc:Choice>
@@ -38063,14 +37823,14 @@
                           <a:effectLst/>
                           <a:extLst>
                             <a:ext uri="{909E8E84-426E-40dd-AFC4-6F175D3DCCD1}">
-                              <a14:hiddenFill xmlns:a14="http://schemas.microsoft.com/office/drawing/2010/main" xmlns="">
+                              <a14:hiddenFill xmlns="" xmlns:a14="http://schemas.microsoft.com/office/drawing/2010/main">
                                 <a:solidFill>
                                   <a:schemeClr val="accent1"/>
                                 </a:solidFill>
                               </a14:hiddenFill>
                             </a:ext>
                             <a:ext uri="{91240B29-F687-4f45-9708-019B960494DF}">
-                              <a14:hiddenLine xmlns:a14="http://schemas.microsoft.com/office/drawing/2010/main" xmlns="" w="9525">
+                              <a14:hiddenLine xmlns="" xmlns:a14="http://schemas.microsoft.com/office/drawing/2010/main" w="9525">
                                 <a:solidFill>
                                   <a:schemeClr val="tx1"/>
                                 </a:solidFill>
@@ -38080,7 +37840,7 @@
                               </a14:hiddenLine>
                             </a:ext>
                             <a:ext uri="{AF507438-7753-43e0-B8FC-AC1667EBCBE1}">
-                              <a14:hiddenEffects xmlns:a14="http://schemas.microsoft.com/office/drawing/2010/main" xmlns="">
+                              <a14:hiddenEffects xmlns="" xmlns:a14="http://schemas.microsoft.com/office/drawing/2010/main">
                                 <a:effectLst>
                                   <a:outerShdw blurRad="63500" dist="38099" dir="2700000" algn="ctr" rotWithShape="0">
                                     <a:schemeClr val="bg2">
@@ -38422,7 +38182,7 @@
           <a:graphicData uri="http://schemas.openxmlformats.org/presentationml/2006/ole">
             <mc:AlternateContent xmlns:mc="http://schemas.openxmlformats.org/markup-compatibility/2006">
               <mc:Choice xmlns:v="urn:schemas-microsoft-com:vml" Requires="v">
-                <p:oleObj spid="_x0000_s5145" name="Ecuación" r:id="rId6" imgW="660240" imgH="177480" progId="Equation.3">
+                <p:oleObj spid="_x0000_s5147" name="Ecuación" r:id="rId6" imgW="660240" imgH="177480" progId="Equation.3">
                   <p:embed/>
                 </p:oleObj>
               </mc:Choice>
@@ -40322,7 +40082,7 @@
 </file>
 
 <file path=ppt/slides/slide8.xml><?xml version="1.0" encoding="utf-8"?>
-<p:sld xmlns:a="http://schemas.openxmlformats.org/drawingml/2006/main" xmlns:r="http://schemas.openxmlformats.org/officeDocument/2006/relationships" xmlns:p="http://schemas.openxmlformats.org/presentationml/2006/main">
+<p:sld xmlns:a="http://schemas.openxmlformats.org/drawingml/2006/main" xmlns:r="http://schemas.openxmlformats.org/officeDocument/2006/relationships" xmlns:p="http://schemas.openxmlformats.org/presentationml/2006/main" show="0">
   <p:cSld>
     <p:spTree>
       <p:nvGrpSpPr>
@@ -41227,7 +40987,7 @@
 </file>
 
 <file path=ppt/slides/slide9.xml><?xml version="1.0" encoding="utf-8"?>
-<p:sld xmlns:a="http://schemas.openxmlformats.org/drawingml/2006/main" xmlns:r="http://schemas.openxmlformats.org/officeDocument/2006/relationships" xmlns:p="http://schemas.openxmlformats.org/presentationml/2006/main">
+<p:sld xmlns:a="http://schemas.openxmlformats.org/drawingml/2006/main" xmlns:r="http://schemas.openxmlformats.org/officeDocument/2006/relationships" xmlns:p="http://schemas.openxmlformats.org/presentationml/2006/main" show="0">
   <p:cSld>
     <p:spTree>
       <p:nvGrpSpPr>
